--- a/Unidad 1/Clases/C1-3/C1-3 Lectura y Administración de datos.pptx
+++ b/Unidad 1/Clases/C1-3/C1-3 Lectura y Administración de datos.pptx
@@ -3472,7 +3472,7 @@
             <a:fld id="{11A6662E-FAF4-44BC-88B5-85A7CBFB6D30}" type="datetime1">
               <a:rPr lang="en-US" smtClean="0"/>
               <a:pPr/>
-              <a:t>10/19/2020</a:t>
+              <a:t>10/20/2020</a:t>
             </a:fld>
             <a:endParaRPr lang="en-US"/>
           </a:p>
@@ -3683,7 +3683,7 @@
           <a:p>
             <a:fld id="{4C559632-1575-4E14-B53B-3DC3D5ED3947}" type="datetime1">
               <a:rPr lang="en-US" smtClean="0"/>
-              <a:t>10/19/2020</a:t>
+              <a:t>10/20/2020</a:t>
             </a:fld>
             <a:endParaRPr lang="en-US"/>
           </a:p>
@@ -3891,7 +3891,7 @@
           <a:p>
             <a:fld id="{CC4A6868-2568-4CC9-B302-F37117B01A6E}" type="datetime1">
               <a:rPr lang="en-US" smtClean="0"/>
-              <a:t>10/19/2020</a:t>
+              <a:t>10/20/2020</a:t>
             </a:fld>
             <a:endParaRPr lang="en-US"/>
           </a:p>
@@ -4094,7 +4094,7 @@
           <a:p>
             <a:fld id="{0055F08A-1E71-4B2B-BB49-E743F2903911}" type="datetime1">
               <a:rPr lang="en-US" smtClean="0"/>
-              <a:t>10/19/2020</a:t>
+              <a:t>10/20/2020</a:t>
             </a:fld>
             <a:endParaRPr lang="en-US" dirty="0"/>
           </a:p>
@@ -4368,7 +4368,7 @@
           <a:p>
             <a:fld id="{15417D9E-721A-44BB-8863-9873FE64DA75}" type="datetime1">
               <a:rPr lang="en-US" smtClean="0"/>
-              <a:t>10/19/2020</a:t>
+              <a:t>10/20/2020</a:t>
             </a:fld>
             <a:endParaRPr lang="en-US"/>
           </a:p>
@@ -4638,7 +4638,7 @@
           <a:p>
             <a:fld id="{5F31DA2F-80B8-49CF-99FB-5ABCA53A607A}" type="datetime1">
               <a:rPr lang="en-US" smtClean="0"/>
-              <a:t>10/19/2020</a:t>
+              <a:t>10/20/2020</a:t>
             </a:fld>
             <a:endParaRPr lang="en-US"/>
           </a:p>
@@ -5051,7 +5051,7 @@
           <a:p>
             <a:fld id="{28852172-E6C9-4B6C-929A-A9DE3837BBF1}" type="datetime1">
               <a:rPr lang="en-US" smtClean="0"/>
-              <a:t>10/19/2020</a:t>
+              <a:t>10/20/2020</a:t>
             </a:fld>
             <a:endParaRPr lang="en-US"/>
           </a:p>
@@ -5197,7 +5197,7 @@
           <a:p>
             <a:fld id="{3AB41CFF-90C9-47B3-9DA1-F2BF8D839F7E}" type="datetime1">
               <a:rPr lang="en-US" smtClean="0"/>
-              <a:t>10/19/2020</a:t>
+              <a:t>10/20/2020</a:t>
             </a:fld>
             <a:endParaRPr lang="en-US"/>
           </a:p>
@@ -5310,7 +5310,7 @@
           <a:p>
             <a:fld id="{F06048FA-06AB-4884-A69B-986B96E68A24}" type="datetime1">
               <a:rPr lang="en-US" smtClean="0"/>
-              <a:t>10/19/2020</a:t>
+              <a:t>10/20/2020</a:t>
             </a:fld>
             <a:endParaRPr lang="en-US"/>
           </a:p>
@@ -5621,7 +5621,7 @@
           <a:p>
             <a:fld id="{50DB7ABA-0172-4F9C-889D-567164F66BCD}" type="datetime1">
               <a:rPr lang="en-US" smtClean="0"/>
-              <a:t>10/19/2020</a:t>
+              <a:t>10/20/2020</a:t>
             </a:fld>
             <a:endParaRPr lang="en-US"/>
           </a:p>
@@ -5912,7 +5912,7 @@
           <a:p>
             <a:fld id="{78AC6A5B-8AE7-4A41-B5A7-9ADC6686DC18}" type="datetime1">
               <a:rPr lang="en-US" smtClean="0"/>
-              <a:t>10/19/2020</a:t>
+              <a:t>10/20/2020</a:t>
             </a:fld>
             <a:endParaRPr lang="en-US"/>
           </a:p>
@@ -6258,7 +6258,7 @@
             <a:fld id="{57E0CF6C-748E-4B7A-BC8B-3011EF78ED13}" type="datetime1">
               <a:rPr lang="en-US" smtClean="0"/>
               <a:pPr/>
-              <a:t>10/19/2020</a:t>
+              <a:t>10/20/2020</a:t>
             </a:fld>
             <a:endParaRPr lang="en-US" dirty="0"/>
           </a:p>
@@ -7308,7 +7308,7 @@
           <a:lstStyle/>
           <a:p>
             <a:br>
-              <a:rPr lang="es-EC" sz="2400">
+              <a:rPr lang="es-EC" sz="2400" dirty="0">
                 <a:solidFill>
                   <a:schemeClr val="tx2">
                     <a:alpha val="80000"/>
@@ -7317,7 +7317,7 @@
               </a:rPr>
             </a:br>
             <a:r>
-              <a:rPr lang="es-EC" sz="2800">
+              <a:rPr lang="es-EC" sz="2800" dirty="0">
                 <a:solidFill>
                   <a:schemeClr val="tx2">
                     <a:alpha val="80000"/>
@@ -7327,7 +7327,7 @@
               <a:t>	UNIR DATOS – Aumentar filas</a:t>
             </a:r>
             <a:br>
-              <a:rPr lang="es-EC" sz="3200">
+              <a:rPr lang="es-EC" sz="3200" dirty="0">
                 <a:solidFill>
                   <a:schemeClr val="tx2">
                     <a:alpha val="80000"/>
@@ -7573,7 +7573,7 @@
           <a:lstStyle/>
           <a:p>
             <a:br>
-              <a:rPr lang="es-EC" sz="2400">
+              <a:rPr lang="es-EC" sz="2400" dirty="0">
                 <a:solidFill>
                   <a:schemeClr val="tx2">
                     <a:alpha val="80000"/>
@@ -7582,17 +7582,17 @@
               </a:rPr>
             </a:br>
             <a:r>
-              <a:rPr lang="es-EC" sz="2800">
+              <a:rPr lang="es-EC" sz="2800" dirty="0">
                 <a:solidFill>
                   <a:schemeClr val="tx2">
                     <a:alpha val="80000"/>
                   </a:schemeClr>
                 </a:solidFill>
               </a:rPr>
-              <a:t>	UNIR DATOS – Aumentar filas</a:t>
+              <a:t>	UNIR DATOS – Aumentar columnas</a:t>
             </a:r>
             <a:br>
-              <a:rPr lang="es-EC" sz="3200">
+              <a:rPr lang="es-EC" sz="3200" dirty="0">
                 <a:solidFill>
                   <a:schemeClr val="tx2">
                     <a:alpha val="80000"/>
